--- a/AT2021-T07-测试报告.pptx
+++ b/AT2021-T07-测试报告.pptx
@@ -17995,7 +17995,13 @@
       </p:sp>
       <p:sp>
         <p:nvSpPr>
-          <p:cNvPr id="5" name="矩形 259"/>
+          <p:cNvPr id="8" name="矩形 259">
+            <a:extLst>
+              <a:ext uri="{FF2B5EF4-FFF2-40B4-BE49-F238E27FC236}">
+                <a16:creationId xmlns:a16="http://schemas.microsoft.com/office/drawing/2014/main" id="{7A3BCB64-58F0-4CEB-804F-CE6FAB0CD391}"/>
+              </a:ext>
+            </a:extLst>
+          </p:cNvPr>
           <p:cNvSpPr>
             <a:spLocks noChangeArrowheads="1"/>
           </p:cNvSpPr>
@@ -18003,8 +18009,8 @@
         </p:nvSpPr>
         <p:spPr bwMode="auto">
           <a:xfrm>
-            <a:off x="6015288" y="3504014"/>
-            <a:ext cx="5688632" cy="597535"/>
+            <a:off x="6503368" y="4794813"/>
+            <a:ext cx="5688632" cy="276999"/>
           </a:xfrm>
           <a:prstGeom prst="rect">
             <a:avLst/>
@@ -18192,7 +18198,7 @@
               <a:buNone/>
             </a:pPr>
             <a:r>
-              <a:rPr lang="en-US" altLang="zh-CN" sz="1970" dirty="0">
+              <a:rPr lang="zh-CN" altLang="en-US" sz="1800" dirty="0">
                 <a:solidFill>
                   <a:schemeClr val="bg2">
                     <a:lumMod val="50000"/>
@@ -18203,120 +18209,28 @@
                 <a:cs typeface="+mn-ea"/>
                 <a:sym typeface="+mn-lt"/>
               </a:rPr>
-              <a:t>COMPANY INTRODUCTION PROPAGANDA PPT</a:t>
+              <a:t>组员：杨元杰、童峻涛、徐任</a:t>
             </a:r>
-          </a:p>
-          <a:p>
-            <a:pPr algn="ctr">
-              <a:buNone/>
-            </a:pPr>
-            <a:r>
-              <a:rPr lang="zh-CN" altLang="en-US" sz="1600" dirty="0">
-                <a:solidFill>
-                  <a:schemeClr val="bg2">
-                    <a:lumMod val="50000"/>
-                  </a:schemeClr>
-                </a:solidFill>
-                <a:latin typeface="+mn-lt"/>
-                <a:ea typeface="+mn-ea"/>
-                <a:cs typeface="+mn-ea"/>
-                <a:sym typeface="+mn-lt"/>
-              </a:rPr>
-              <a:t>会议报告 </a:t>
-            </a:r>
-            <a:r>
-              <a:rPr lang="en-US" altLang="zh-CN" sz="1600" dirty="0">
-                <a:solidFill>
-                  <a:schemeClr val="bg2">
-                    <a:lumMod val="50000"/>
-                  </a:schemeClr>
-                </a:solidFill>
-                <a:latin typeface="+mn-lt"/>
-                <a:ea typeface="+mn-ea"/>
-                <a:cs typeface="+mn-ea"/>
-                <a:sym typeface="+mn-lt"/>
-              </a:rPr>
-              <a:t>/ </a:t>
-            </a:r>
-            <a:r>
-              <a:rPr lang="zh-CN" altLang="en-US" sz="1600" dirty="0">
-                <a:solidFill>
-                  <a:schemeClr val="bg2">
-                    <a:lumMod val="50000"/>
-                  </a:schemeClr>
-                </a:solidFill>
-                <a:latin typeface="+mn-lt"/>
-                <a:ea typeface="+mn-ea"/>
-                <a:cs typeface="+mn-ea"/>
-                <a:sym typeface="+mn-lt"/>
-              </a:rPr>
-              <a:t>座谈交流 </a:t>
-            </a:r>
-            <a:r>
-              <a:rPr lang="en-US" altLang="zh-CN" sz="1600" dirty="0">
-                <a:solidFill>
-                  <a:schemeClr val="bg2">
-                    <a:lumMod val="50000"/>
-                  </a:schemeClr>
-                </a:solidFill>
-                <a:latin typeface="+mn-lt"/>
-                <a:ea typeface="+mn-ea"/>
-                <a:cs typeface="+mn-ea"/>
-                <a:sym typeface="+mn-lt"/>
-              </a:rPr>
-              <a:t>/ </a:t>
-            </a:r>
-            <a:r>
-              <a:rPr lang="zh-CN" altLang="en-US" sz="1600" dirty="0">
-                <a:solidFill>
-                  <a:schemeClr val="bg2">
-                    <a:lumMod val="50000"/>
-                  </a:schemeClr>
-                </a:solidFill>
-                <a:latin typeface="+mn-lt"/>
-                <a:ea typeface="+mn-ea"/>
-                <a:cs typeface="+mn-ea"/>
-                <a:sym typeface="+mn-lt"/>
-              </a:rPr>
-              <a:t>工作总结 </a:t>
-            </a:r>
-            <a:r>
-              <a:rPr lang="en-US" altLang="zh-CN" sz="1600" dirty="0">
-                <a:solidFill>
-                  <a:schemeClr val="bg2">
-                    <a:lumMod val="50000"/>
-                  </a:schemeClr>
-                </a:solidFill>
-                <a:latin typeface="+mn-lt"/>
-                <a:ea typeface="+mn-ea"/>
-                <a:cs typeface="+mn-ea"/>
-                <a:sym typeface="+mn-lt"/>
-              </a:rPr>
-              <a:t>/ </a:t>
-            </a:r>
-            <a:r>
-              <a:rPr lang="zh-CN" altLang="en-US" sz="1600" dirty="0">
-                <a:solidFill>
-                  <a:schemeClr val="bg2">
-                    <a:lumMod val="50000"/>
-                  </a:schemeClr>
-                </a:solidFill>
-                <a:latin typeface="+mn-lt"/>
-                <a:ea typeface="+mn-ea"/>
-                <a:cs typeface="+mn-ea"/>
-                <a:sym typeface="+mn-lt"/>
-              </a:rPr>
-              <a:t>工作汇报</a:t>
-            </a:r>
+            <a:endParaRPr lang="zh-CN" altLang="en-US" sz="1600" dirty="0">
+              <a:solidFill>
+                <a:schemeClr val="bg2">
+                  <a:lumMod val="50000"/>
+                </a:schemeClr>
+              </a:solidFill>
+              <a:latin typeface="+mn-lt"/>
+              <a:ea typeface="+mn-ea"/>
+              <a:cs typeface="+mn-ea"/>
+              <a:sym typeface="+mn-lt"/>
+            </a:endParaRPr>
           </a:p>
         </p:txBody>
       </p:sp>
       <p:sp>
         <p:nvSpPr>
-          <p:cNvPr id="6" name="圆角矩形 5">
+          <p:cNvPr id="9" name="圆角矩形 6">
             <a:extLst>
               <a:ext uri="{FF2B5EF4-FFF2-40B4-BE49-F238E27FC236}">
-                <a16:creationId xmlns:a16="http://schemas.microsoft.com/office/drawing/2014/main" id="{226707D0-568E-446A-B476-87F58A172B16}"/>
+                <a16:creationId xmlns:a16="http://schemas.microsoft.com/office/drawing/2014/main" id="{B2F4BAC9-53A0-4DE8-B61D-CD24A64C11A4}"/>
               </a:ext>
             </a:extLst>
           </p:cNvPr>
@@ -18325,7 +18239,7 @@
         </p:nvSpPr>
         <p:spPr>
           <a:xfrm>
-            <a:off x="7293369" y="4385930"/>
+            <a:off x="7678419" y="4115995"/>
             <a:ext cx="1410649" cy="299436"/>
           </a:xfrm>
           <a:prstGeom prst="roundRect">
@@ -18347,65 +18261,23 @@
           <a:bodyPr rtlCol="0" anchor="ctr"/>
           <a:lstStyle/>
           <a:p>
-            <a:pPr marL="0" marR="0" lvl="0" indent="0" algn="ctr" defTabSz="914400" eaLnBrk="1" fontAlgn="auto" latinLnBrk="0" hangingPunct="1">
-              <a:lnSpc>
-                <a:spcPct val="100000"/>
-              </a:lnSpc>
-              <a:spcBef>
-                <a:spcPts val="0"/>
-              </a:spcBef>
-              <a:spcAft>
-                <a:spcPts val="0"/>
-              </a:spcAft>
-              <a:buClrTx/>
-              <a:buSzTx/>
-              <a:buFontTx/>
-              <a:buNone/>
-              <a:tabLst/>
+            <a:pPr algn="ctr">
               <a:defRPr/>
             </a:pPr>
             <a:r>
-              <a:rPr kumimoji="0" lang="zh-CN" altLang="en-US" sz="1400" b="0" i="0" u="none" strike="noStrike" kern="0" cap="none" spc="0" normalizeH="0" baseline="0" noProof="0" dirty="0">
-                <a:ln>
-                  <a:noFill/>
-                </a:ln>
+              <a:rPr lang="en-US" altLang="zh-CN" sz="1400" kern="0" dirty="0">
                 <a:solidFill>
                   <a:prstClr val="white"/>
                 </a:solidFill>
-                <a:effectLst/>
-                <a:uLnTx/>
-                <a:uFillTx/>
                 <a:cs typeface="+mn-ea"/>
                 <a:sym typeface="+mn-lt"/>
               </a:rPr>
-              <a:t>第一</a:t>
+              <a:t>AT2021-G07</a:t>
             </a:r>
-            <a:r>
-              <a:rPr kumimoji="0" lang="en-US" altLang="zh-CN" sz="1400" b="0" i="0" u="none" strike="noStrike" kern="0" cap="none" spc="0" normalizeH="0" baseline="0" noProof="0" dirty="0">
-                <a:ln>
-                  <a:noFill/>
-                </a:ln>
-                <a:solidFill>
-                  <a:prstClr val="white"/>
-                </a:solidFill>
-                <a:effectLst/>
-                <a:uLnTx/>
-                <a:uFillTx/>
-                <a:cs typeface="+mn-ea"/>
-                <a:sym typeface="+mn-lt"/>
-              </a:rPr>
-              <a:t>PPT</a:t>
-            </a:r>
-            <a:endParaRPr kumimoji="0" lang="zh-CN" altLang="en-US" sz="1400" b="0" i="0" u="none" strike="noStrike" kern="0" cap="none" spc="0" normalizeH="0" baseline="0" noProof="0" dirty="0">
-              <a:ln>
-                <a:noFill/>
-              </a:ln>
+            <a:endParaRPr lang="zh-CN" altLang="en-US" sz="1400" kern="0" dirty="0">
               <a:solidFill>
                 <a:prstClr val="white"/>
               </a:solidFill>
-              <a:effectLst/>
-              <a:uLnTx/>
-              <a:uFillTx/>
               <a:cs typeface="+mn-ea"/>
               <a:sym typeface="+mn-lt"/>
             </a:endParaRPr>
@@ -18414,10 +18286,10 @@
       </p:sp>
       <p:sp>
         <p:nvSpPr>
-          <p:cNvPr id="7" name="圆角矩形 17">
+          <p:cNvPr id="10" name="圆角矩形 17">
             <a:extLst>
               <a:ext uri="{FF2B5EF4-FFF2-40B4-BE49-F238E27FC236}">
-                <a16:creationId xmlns:a16="http://schemas.microsoft.com/office/drawing/2014/main" id="{7279E109-A6EA-418B-9FFC-27111CBF6B4E}"/>
+                <a16:creationId xmlns:a16="http://schemas.microsoft.com/office/drawing/2014/main" id="{07B0F52C-ACBE-4230-803F-39C1CE4C2504}"/>
               </a:ext>
             </a:extLst>
           </p:cNvPr>
@@ -18426,7 +18298,7 @@
         </p:nvSpPr>
         <p:spPr>
           <a:xfrm>
-            <a:off x="8834038" y="4383389"/>
+            <a:off x="9593781" y="4115995"/>
             <a:ext cx="1410649" cy="299436"/>
           </a:xfrm>
           <a:prstGeom prst="roundRect">
@@ -18479,7 +18351,7 @@
                 <a:cs typeface="+mn-ea"/>
                 <a:sym typeface="+mn-lt"/>
               </a:rPr>
-              <a:t>20XX.12.24</a:t>
+              <a:t>2021.06.01</a:t>
             </a:r>
             <a:endParaRPr kumimoji="0" lang="zh-CN" altLang="en-US" sz="1400" b="0" i="0" u="none" strike="noStrike" kern="0" cap="none" spc="0" normalizeH="0" baseline="0" noProof="0" dirty="0">
               <a:ln>
@@ -18743,7 +18615,7 @@
                                           </p:stCondLst>
                                         </p:cTn>
                                         <p:tgtEl>
-                                          <p:spTgt spid="5"/>
+                                          <p:spTgt spid="8"/>
                                         </p:tgtEl>
                                         <p:attrNameLst>
                                           <p:attrName>style.visibility</p:attrName>
@@ -18757,7 +18629,7 @@
                                       <p:cBhvr>
                                         <p:cTn id="20" dur="500" fill="hold"/>
                                         <p:tgtEl>
-                                          <p:spTgt spid="5"/>
+                                          <p:spTgt spid="8"/>
                                         </p:tgtEl>
                                         <p:attrNameLst>
                                           <p:attrName>ppt_x</p:attrName>
@@ -18785,7 +18657,7 @@
                                       <p:cBhvr>
                                         <p:cTn id="21" dur="500" fill="hold"/>
                                         <p:tgtEl>
-                                          <p:spTgt spid="5"/>
+                                          <p:spTgt spid="8"/>
                                         </p:tgtEl>
                                         <p:attrNameLst>
                                           <p:attrName>ppt_y</p:attrName>
@@ -18808,7 +18680,7 @@
                                       <p:cBhvr>
                                         <p:cTn id="22" dur="500" fill="hold"/>
                                         <p:tgtEl>
-                                          <p:spTgt spid="5"/>
+                                          <p:spTgt spid="8"/>
                                         </p:tgtEl>
                                         <p:attrNameLst>
                                           <p:attrName>ppt_h</p:attrName>
@@ -18836,7 +18708,7 @@
                                       <p:cBhvr>
                                         <p:cTn id="23" dur="500" fill="hold"/>
                                         <p:tgtEl>
-                                          <p:spTgt spid="5"/>
+                                          <p:spTgt spid="8"/>
                                         </p:tgtEl>
                                         <p:attrNameLst>
                                           <p:attrName>ppt_w</p:attrName>
@@ -18864,7 +18736,7 @@
                                       <p:cBhvr>
                                         <p:cTn id="24" dur="500" tmFilter="0,0; .5, 1; 1, 1"/>
                                         <p:tgtEl>
-                                          <p:spTgt spid="5"/>
+                                          <p:spTgt spid="8"/>
                                         </p:tgtEl>
                                       </p:cBhvr>
                                     </p:animEffect>
@@ -18877,7 +18749,7 @@
                         <p:par>
                           <p:cTn id="25" fill="hold">
                             <p:stCondLst>
-                              <p:cond delay="3000"/>
+                              <p:cond delay="1100"/>
                             </p:stCondLst>
                             <p:childTnLst>
                               <p:par>
@@ -18893,7 +18765,7 @@
                                       <p:cBhvr>
                                         <p:cTn id="27" dur="500" tmFilter="0, 0; .2, .5; .8, .5; 1, 0"/>
                                         <p:tgtEl>
-                                          <p:spTgt spid="5"/>
+                                          <p:spTgt spid="8"/>
                                         </p:tgtEl>
                                       </p:cBhvr>
                                     </p:animEffect>
@@ -18901,7 +18773,7 @@
                                       <p:cBhvr>
                                         <p:cTn id="28" dur="250" autoRev="1" fill="hold"/>
                                         <p:tgtEl>
-                                          <p:spTgt spid="5"/>
+                                          <p:spTgt spid="8"/>
                                         </p:tgtEl>
                                       </p:cBhvr>
                                       <p:by x="105000" y="105000"/>
@@ -18915,7 +18787,7 @@
                         <p:par>
                           <p:cTn id="29" fill="hold">
                             <p:stCondLst>
-                              <p:cond delay="3500"/>
+                              <p:cond delay="1600"/>
                             </p:stCondLst>
                             <p:childTnLst>
                               <p:par>
@@ -18932,7 +18804,7 @@
                                           </p:stCondLst>
                                         </p:cTn>
                                         <p:tgtEl>
-                                          <p:spTgt spid="6"/>
+                                          <p:spTgt spid="9"/>
                                         </p:tgtEl>
                                         <p:attrNameLst>
                                           <p:attrName>style.visibility</p:attrName>
@@ -18946,7 +18818,7 @@
                                       <p:cBhvr>
                                         <p:cTn id="32" dur="1000"/>
                                         <p:tgtEl>
-                                          <p:spTgt spid="6"/>
+                                          <p:spTgt spid="9"/>
                                         </p:tgtEl>
                                       </p:cBhvr>
                                     </p:animEffect>
@@ -18954,7 +18826,7 @@
                                       <p:cBhvr>
                                         <p:cTn id="33" dur="1000" fill="hold"/>
                                         <p:tgtEl>
-                                          <p:spTgt spid="6"/>
+                                          <p:spTgt spid="9"/>
                                         </p:tgtEl>
                                         <p:attrNameLst>
                                           <p:attrName>ppt_x</p:attrName>
@@ -18977,7 +18849,7 @@
                                       <p:cBhvr>
                                         <p:cTn id="34" dur="1000" fill="hold"/>
                                         <p:tgtEl>
-                                          <p:spTgt spid="6"/>
+                                          <p:spTgt spid="9"/>
                                         </p:tgtEl>
                                         <p:attrNameLst>
                                           <p:attrName>ppt_y</p:attrName>
@@ -19005,7 +18877,7 @@
                         <p:par>
                           <p:cTn id="35" fill="hold">
                             <p:stCondLst>
-                              <p:cond delay="4500"/>
+                              <p:cond delay="2600"/>
                             </p:stCondLst>
                             <p:childTnLst>
                               <p:par>
@@ -19022,7 +18894,7 @@
                                           </p:stCondLst>
                                         </p:cTn>
                                         <p:tgtEl>
-                                          <p:spTgt spid="7"/>
+                                          <p:spTgt spid="10"/>
                                         </p:tgtEl>
                                         <p:attrNameLst>
                                           <p:attrName>style.visibility</p:attrName>
@@ -19036,7 +18908,7 @@
                                       <p:cBhvr>
                                         <p:cTn id="38" dur="1000"/>
                                         <p:tgtEl>
-                                          <p:spTgt spid="7"/>
+                                          <p:spTgt spid="10"/>
                                         </p:tgtEl>
                                       </p:cBhvr>
                                     </p:animEffect>
@@ -19044,7 +18916,7 @@
                                       <p:cBhvr>
                                         <p:cTn id="39" dur="1000" fill="hold"/>
                                         <p:tgtEl>
-                                          <p:spTgt spid="7"/>
+                                          <p:spTgt spid="10"/>
                                         </p:tgtEl>
                                         <p:attrNameLst>
                                           <p:attrName>ppt_x</p:attrName>
@@ -19067,7 +18939,7 @@
                                       <p:cBhvr>
                                         <p:cTn id="40" dur="1000" fill="hold"/>
                                         <p:tgtEl>
-                                          <p:spTgt spid="7"/>
+                                          <p:spTgt spid="10"/>
                                         </p:tgtEl>
                                         <p:attrNameLst>
                                           <p:attrName>ppt_y</p:attrName>
@@ -19119,10 +18991,10 @@
     <p:bldLst>
       <p:bldP spid="11" grpId="0" bldLvl="0" animBg="1"/>
       <p:bldP spid="11" grpId="1" bldLvl="0" animBg="1"/>
-      <p:bldP spid="5" grpId="0" bldLvl="0"/>
-      <p:bldP spid="5" grpId="1" bldLvl="0"/>
-      <p:bldP spid="6" grpId="0" animBg="1"/>
-      <p:bldP spid="7" grpId="0" animBg="1"/>
+      <p:bldP spid="8" grpId="0" bldLvl="0"/>
+      <p:bldP spid="8" grpId="1" bldLvl="0"/>
+      <p:bldP spid="9" grpId="0" animBg="1"/>
+      <p:bldP spid="10" grpId="0" animBg="1"/>
     </p:bldLst>
   </p:timing>
 </p:sld>
